--- a/Thesis/Presentazione/Presentazione_AndreaMarchetti_s225277.pptx
+++ b/Thesis/Presentazione/Presentazione_AndreaMarchetti_s225277.pptx
@@ -918,7 +918,7 @@
           <a:p>
             <a:fld id="{81CE8AA9-3BE0-4F6D-9D7E-81DBB2ED894C}" type="datetimeFigureOut">
               <a:rPr lang="it-IT" smtClean="0"/>
-              <a:t>14/10/2019</a:t>
+              <a:t>15/10/2019</a:t>
             </a:fld>
             <a:endParaRPr lang="it-IT"/>
           </a:p>
@@ -1169,7 +1169,7 @@
           <a:p>
             <a:fld id="{81CE8AA9-3BE0-4F6D-9D7E-81DBB2ED894C}" type="datetimeFigureOut">
               <a:rPr lang="it-IT" smtClean="0"/>
-              <a:t>14/10/2019</a:t>
+              <a:t>15/10/2019</a:t>
             </a:fld>
             <a:endParaRPr lang="it-IT"/>
           </a:p>
@@ -1483,7 +1483,7 @@
           <a:p>
             <a:fld id="{81CE8AA9-3BE0-4F6D-9D7E-81DBB2ED894C}" type="datetimeFigureOut">
               <a:rPr lang="it-IT" smtClean="0"/>
-              <a:t>14/10/2019</a:t>
+              <a:t>15/10/2019</a:t>
             </a:fld>
             <a:endParaRPr lang="it-IT"/>
           </a:p>
@@ -1816,7 +1816,7 @@
           <a:p>
             <a:fld id="{81CE8AA9-3BE0-4F6D-9D7E-81DBB2ED894C}" type="datetimeFigureOut">
               <a:rPr lang="it-IT" smtClean="0"/>
-              <a:t>14/10/2019</a:t>
+              <a:t>15/10/2019</a:t>
             </a:fld>
             <a:endParaRPr lang="it-IT"/>
           </a:p>
@@ -2130,7 +2130,7 @@
           <a:p>
             <a:fld id="{81CE8AA9-3BE0-4F6D-9D7E-81DBB2ED894C}" type="datetimeFigureOut">
               <a:rPr lang="it-IT" smtClean="0"/>
-              <a:t>14/10/2019</a:t>
+              <a:t>15/10/2019</a:t>
             </a:fld>
             <a:endParaRPr lang="it-IT"/>
           </a:p>
@@ -2523,7 +2523,7 @@
           <a:p>
             <a:fld id="{81CE8AA9-3BE0-4F6D-9D7E-81DBB2ED894C}" type="datetimeFigureOut">
               <a:rPr lang="it-IT" smtClean="0"/>
-              <a:t>14/10/2019</a:t>
+              <a:t>15/10/2019</a:t>
             </a:fld>
             <a:endParaRPr lang="it-IT"/>
           </a:p>
@@ -2693,7 +2693,7 @@
           <a:p>
             <a:fld id="{81CE8AA9-3BE0-4F6D-9D7E-81DBB2ED894C}" type="datetimeFigureOut">
               <a:rPr lang="it-IT" smtClean="0"/>
-              <a:t>14/10/2019</a:t>
+              <a:t>15/10/2019</a:t>
             </a:fld>
             <a:endParaRPr lang="it-IT"/>
           </a:p>
@@ -2873,7 +2873,7 @@
           <a:p>
             <a:fld id="{81CE8AA9-3BE0-4F6D-9D7E-81DBB2ED894C}" type="datetimeFigureOut">
               <a:rPr lang="it-IT" smtClean="0"/>
-              <a:t>14/10/2019</a:t>
+              <a:t>15/10/2019</a:t>
             </a:fld>
             <a:endParaRPr lang="it-IT"/>
           </a:p>
@@ -3049,7 +3049,7 @@
           <a:p>
             <a:fld id="{81CE8AA9-3BE0-4F6D-9D7E-81DBB2ED894C}" type="datetimeFigureOut">
               <a:rPr lang="it-IT" smtClean="0"/>
-              <a:t>14/10/2019</a:t>
+              <a:t>15/10/2019</a:t>
             </a:fld>
             <a:endParaRPr lang="it-IT"/>
           </a:p>
@@ -3296,7 +3296,7 @@
           <a:p>
             <a:fld id="{81CE8AA9-3BE0-4F6D-9D7E-81DBB2ED894C}" type="datetimeFigureOut">
               <a:rPr lang="it-IT" smtClean="0"/>
-              <a:t>14/10/2019</a:t>
+              <a:t>15/10/2019</a:t>
             </a:fld>
             <a:endParaRPr lang="it-IT"/>
           </a:p>
@@ -3593,7 +3593,7 @@
           <a:p>
             <a:fld id="{81CE8AA9-3BE0-4F6D-9D7E-81DBB2ED894C}" type="datetimeFigureOut">
               <a:rPr lang="it-IT" smtClean="0"/>
-              <a:t>14/10/2019</a:t>
+              <a:t>15/10/2019</a:t>
             </a:fld>
             <a:endParaRPr lang="it-IT"/>
           </a:p>
@@ -3972,7 +3972,7 @@
           <a:p>
             <a:fld id="{81CE8AA9-3BE0-4F6D-9D7E-81DBB2ED894C}" type="datetimeFigureOut">
               <a:rPr lang="it-IT" smtClean="0"/>
-              <a:t>14/10/2019</a:t>
+              <a:t>15/10/2019</a:t>
             </a:fld>
             <a:endParaRPr lang="it-IT"/>
           </a:p>
@@ -4095,7 +4095,7 @@
           <a:p>
             <a:fld id="{81CE8AA9-3BE0-4F6D-9D7E-81DBB2ED894C}" type="datetimeFigureOut">
               <a:rPr lang="it-IT" smtClean="0"/>
-              <a:t>14/10/2019</a:t>
+              <a:t>15/10/2019</a:t>
             </a:fld>
             <a:endParaRPr lang="it-IT"/>
           </a:p>
@@ -4190,7 +4190,7 @@
           <a:p>
             <a:fld id="{81CE8AA9-3BE0-4F6D-9D7E-81DBB2ED894C}" type="datetimeFigureOut">
               <a:rPr lang="it-IT" smtClean="0"/>
-              <a:t>14/10/2019</a:t>
+              <a:t>15/10/2019</a:t>
             </a:fld>
             <a:endParaRPr lang="it-IT"/>
           </a:p>
@@ -4445,7 +4445,7 @@
           <a:p>
             <a:fld id="{81CE8AA9-3BE0-4F6D-9D7E-81DBB2ED894C}" type="datetimeFigureOut">
               <a:rPr lang="it-IT" smtClean="0"/>
-              <a:t>14/10/2019</a:t>
+              <a:t>15/10/2019</a:t>
             </a:fld>
             <a:endParaRPr lang="it-IT"/>
           </a:p>
@@ -4708,7 +4708,7 @@
           <a:p>
             <a:fld id="{81CE8AA9-3BE0-4F6D-9D7E-81DBB2ED894C}" type="datetimeFigureOut">
               <a:rPr lang="it-IT" smtClean="0"/>
-              <a:t>14/10/2019</a:t>
+              <a:t>15/10/2019</a:t>
             </a:fld>
             <a:endParaRPr lang="it-IT"/>
           </a:p>
@@ -5523,7 +5523,7 @@
           <a:p>
             <a:fld id="{81CE8AA9-3BE0-4F6D-9D7E-81DBB2ED894C}" type="datetimeFigureOut">
               <a:rPr lang="it-IT" smtClean="0"/>
-              <a:t>14/10/2019</a:t>
+              <a:t>15/10/2019</a:t>
             </a:fld>
             <a:endParaRPr lang="it-IT"/>
           </a:p>

--- a/Thesis/Presentazione/Presentazione_AndreaMarchetti_s225277.pptx
+++ b/Thesis/Presentazione/Presentazione_AndreaMarchetti_s225277.pptx
@@ -17262,7 +17262,7 @@
         <p:spPr>
           <a:xfrm>
             <a:off x="133348" y="1060301"/>
-            <a:ext cx="8877301" cy="4993482"/>
+            <a:ext cx="8877301" cy="4993481"/>
           </a:xfrm>
           <a:prstGeom prst="rect">
             <a:avLst/>
